--- a/docs/week-2-linkedlist/ce205-week-2-linkedlist.md_word.pptx
+++ b/docs/week-2-linkedlist/ce205-week-2-linkedlist.md_word.pptx
@@ -23,6 +23,9 @@
     <p:sldId id="271" r:id="rId17"/>
     <p:sldId id="272" r:id="rId18"/>
     <p:sldId id="273" r:id="rId19"/>
+    <p:sldId id="274" r:id="rId20"/>
+    <p:sldId id="275" r:id="rId21"/>
+    <p:sldId id="276" r:id="rId22"/>
   </p:sldIdLst>
   <p:sldSz cx="9144000" cy="6858000" type="screen4x3"/>
   <p:notesSz cx="6858000" cy="9144000"/>
@@ -3183,7 +3186,7 @@
             </a:pPr>
             <a:r>
               <a:rPr/>
-              <a:t>Linked Lists, Arrays, Matrix</a:t>
+              <a:t>Linked Lists and Related Algorithms, Arrays and Matrices</a:t>
             </a:r>
             <a:br/>
             <a:br/>
@@ -3243,6 +3246,31 @@
       </p:grpSpPr>
       <p:sp>
         <p:nvSpPr>
+          <p:cNvPr id="2" name="Title 1"/>
+          <p:cNvSpPr>
+            <a:spLocks noGrp="1"/>
+          </p:cNvSpPr>
+          <p:nvPr>
+            <p:ph type="title"/>
+          </p:nvPr>
+        </p:nvSpPr>
+        <p:spPr/>
+        <p:txBody>
+          <a:bodyPr/>
+          <a:lstStyle/>
+          <a:p>
+            <a:pPr lvl="0" indent="0" marL="0">
+              <a:buNone/>
+            </a:pPr>
+            <a:r>
+              <a:rPr/>
+              <a:t>Circular Linked List</a:t>
+            </a:r>
+          </a:p>
+        </p:txBody>
+      </p:sp>
+      <p:sp>
+        <p:nvSpPr>
           <p:cNvPr id="3" name="Content Placeholder 2"/>
           <p:cNvSpPr>
             <a:spLocks noGrp="1"/>
@@ -3256,56 +3284,51 @@
           <a:bodyPr/>
           <a:lstStyle/>
           <a:p>
-            <a:pPr lvl="0" indent="0" marL="0">
-              <a:buNone/>
-            </a:pPr>
-            <a:r>
-              <a:rPr/>
-              <a:t>Skip List</a:t>
-            </a:r>
-          </a:p>
-          <a:p>
-            <a:pPr lvl="0" indent="-457200" marL="457200">
-              <a:buAutoNum type="arabicPeriod"/>
-            </a:pPr>
+            <a:pPr lvl="0"/>
+            <a:r>
+              <a:rPr/>
+              <a:t>Btech Smart Class</a:t>
+            </a:r>
+          </a:p>
+          <a:p>
+            <a:pPr lvl="1"/>
             <a:r>
               <a:rPr>
                 <a:hlinkClick r:id="rId2"/>
               </a:rPr>
-              <a:t>Skip list - Wikipedia</a:t>
-            </a:r>
-          </a:p>
-          <a:p>
-            <a:pPr lvl="0" indent="-457200" marL="457200">
-              <a:buAutoNum type="arabicPeriod"/>
-            </a:pPr>
+              <a:t>Data Structures Tutorials - Circular Linked List with an example | Implementation</a:t>
+            </a:r>
+          </a:p>
+          <a:p>
+            <a:pPr lvl="0"/>
+            <a:r>
+              <a:rPr/>
+              <a:t>Geeks for Geeks</a:t>
+            </a:r>
+          </a:p>
+          <a:p>
+            <a:pPr lvl="1"/>
             <a:r>
               <a:rPr>
                 <a:hlinkClick r:id="rId3"/>
               </a:rPr>
-              <a:t>Skip List | Set 1 (Introduction) - GeeksforGeeks</a:t>
-            </a:r>
-          </a:p>
-          <a:p>
-            <a:pPr lvl="0" indent="-457200" marL="457200">
-              <a:buAutoNum type="arabicPeriod"/>
-            </a:pPr>
+              <a:t>Circular Linked List | Set 1 (Introduction and Applications) - GeeksforGeeks</a:t>
+            </a:r>
+          </a:p>
+          <a:p>
+            <a:pPr lvl="0"/>
+            <a:r>
+              <a:rPr/>
+              <a:t>Geeks for Geeks</a:t>
+            </a:r>
+          </a:p>
+          <a:p>
+            <a:pPr lvl="1"/>
             <a:r>
               <a:rPr>
                 <a:hlinkClick r:id="rId4"/>
               </a:rPr>
-              <a:t>Skip List | Set 2 (Insertion) - GeeksforGeeks</a:t>
-            </a:r>
-          </a:p>
-          <a:p>
-            <a:pPr lvl="0" indent="-457200" marL="457200">
-              <a:buAutoNum type="arabicPeriod"/>
-            </a:pPr>
-            <a:r>
-              <a:rPr>
-                <a:hlinkClick r:id="rId5"/>
-              </a:rPr>
-              <a:t>Skip List | Set 3 (Searching and Deletion) - GeeksforGeeks</a:t>
+              <a:t>Circular Linked List | Set 2 (Traversal) - GeeksforGeeks</a:t>
             </a:r>
           </a:p>
         </p:txBody>
@@ -3334,6 +3357,31 @@
       </p:grpSpPr>
       <p:sp>
         <p:nvSpPr>
+          <p:cNvPr id="2" name="Title 1"/>
+          <p:cNvSpPr>
+            <a:spLocks noGrp="1"/>
+          </p:cNvSpPr>
+          <p:nvPr>
+            <p:ph type="title"/>
+          </p:nvPr>
+        </p:nvSpPr>
+        <p:spPr/>
+        <p:txBody>
+          <a:bodyPr/>
+          <a:lstStyle/>
+          <a:p>
+            <a:pPr lvl="0" indent="0" marL="0">
+              <a:buNone/>
+            </a:pPr>
+            <a:r>
+              <a:rPr/>
+              <a:t>Double Linked List</a:t>
+            </a:r>
+          </a:p>
+        </p:txBody>
+      </p:sp>
+      <p:sp>
+        <p:nvSpPr>
           <p:cNvPr id="3" name="Content Placeholder 2"/>
           <p:cNvSpPr>
             <a:spLocks noGrp="1"/>
@@ -3347,23 +3395,51 @@
           <a:bodyPr/>
           <a:lstStyle/>
           <a:p>
-            <a:pPr lvl="0" indent="0" marL="0">
-              <a:buNone/>
-            </a:pPr>
-            <a:r>
-              <a:rPr/>
-              <a:t>Strand Sort</a:t>
-            </a:r>
-          </a:p>
-          <a:p>
-            <a:pPr lvl="0" indent="-457200" marL="457200">
-              <a:buAutoNum type="arabicPeriod"/>
-            </a:pPr>
+            <a:pPr lvl="0"/>
+            <a:r>
+              <a:rPr/>
+              <a:t>Btech Smart Class</a:t>
+            </a:r>
+          </a:p>
+          <a:p>
+            <a:pPr lvl="1"/>
             <a:r>
               <a:rPr>
                 <a:hlinkClick r:id="rId2"/>
               </a:rPr>
-              <a:t>Strand Sort - GeeksforGeeks</a:t>
+              <a:t>Data Structures Tutorials - Double Linked List with an example program</a:t>
+            </a:r>
+          </a:p>
+          <a:p>
+            <a:pPr lvl="0"/>
+            <a:r>
+              <a:rPr/>
+              <a:t>Geeks for Geeks</a:t>
+            </a:r>
+          </a:p>
+          <a:p>
+            <a:pPr lvl="1"/>
+            <a:r>
+              <a:rPr>
+                <a:hlinkClick r:id="rId3"/>
+              </a:rPr>
+              <a:t>Doubly Linked List | Set 1 (Introduction and Insertion) - GeeksforGeeks</a:t>
+            </a:r>
+          </a:p>
+          <a:p>
+            <a:pPr lvl="0"/>
+            <a:r>
+              <a:rPr/>
+              <a:t>Visual Algo</a:t>
+            </a:r>
+          </a:p>
+          <a:p>
+            <a:pPr lvl="1"/>
+            <a:r>
+              <a:rPr>
+                <a:hlinkClick r:id="rId4"/>
+              </a:rPr>
+              <a:t>Linked List (Single, Doubly), Stack, Queue, Deque - VisuAlgo</a:t>
             </a:r>
           </a:p>
         </p:txBody>
@@ -3392,6 +3468,31 @@
       </p:grpSpPr>
       <p:sp>
         <p:nvSpPr>
+          <p:cNvPr id="2" name="Title 1"/>
+          <p:cNvSpPr>
+            <a:spLocks noGrp="1"/>
+          </p:cNvSpPr>
+          <p:nvPr>
+            <p:ph type="title"/>
+          </p:nvPr>
+        </p:nvSpPr>
+        <p:spPr/>
+        <p:txBody>
+          <a:bodyPr/>
+          <a:lstStyle/>
+          <a:p>
+            <a:pPr lvl="0" indent="0" marL="0">
+              <a:buNone/>
+            </a:pPr>
+            <a:r>
+              <a:rPr/>
+              <a:t>XOR Linked List</a:t>
+            </a:r>
+          </a:p>
+        </p:txBody>
+      </p:sp>
+      <p:sp>
+        <p:nvSpPr>
           <p:cNvPr id="3" name="Content Placeholder 2"/>
           <p:cNvSpPr>
             <a:spLocks noGrp="1"/>
@@ -3405,45 +3506,51 @@
           <a:bodyPr/>
           <a:lstStyle/>
           <a:p>
-            <a:pPr lvl="0" indent="0" marL="0">
-              <a:buNone/>
-            </a:pPr>
-            <a:r>
-              <a:rPr/>
-              <a:t>Arrays</a:t>
-            </a:r>
-          </a:p>
-          <a:p>
-            <a:pPr lvl="0" indent="-457200" marL="457200">
-              <a:buAutoNum type="arabicPeriod"/>
-            </a:pPr>
+            <a:pPr lvl="0"/>
+            <a:r>
+              <a:rPr/>
+              <a:t>Wikipedia</a:t>
+            </a:r>
+          </a:p>
+          <a:p>
+            <a:pPr lvl="1"/>
             <a:r>
               <a:rPr>
                 <a:hlinkClick r:id="rId2"/>
               </a:rPr>
-              <a:t>Array Data Structure - GeeksforGeeks</a:t>
-            </a:r>
-          </a:p>
-          <a:p>
-            <a:pPr lvl="0" indent="-457200" marL="457200">
-              <a:buAutoNum type="arabicPeriod"/>
-            </a:pPr>
+              <a:t>XOR linked list - Wikipedia</a:t>
+            </a:r>
+          </a:p>
+          <a:p>
+            <a:pPr lvl="0"/>
+            <a:r>
+              <a:rPr/>
+              <a:t>Geeks for Geeks</a:t>
+            </a:r>
+          </a:p>
+          <a:p>
+            <a:pPr lvl="1"/>
             <a:r>
               <a:rPr>
                 <a:hlinkClick r:id="rId3"/>
               </a:rPr>
-              <a:t>Data structures Tutorials - Arrays</a:t>
-            </a:r>
-          </a:p>
-          <a:p>
-            <a:pPr lvl="0" indent="-457200" marL="457200">
-              <a:buAutoNum type="arabicPeriod"/>
-            </a:pPr>
+              <a:t>XOR Linked List - A Memory Efficient Doubly Linked List | Set 1 - GeeksforGeeks</a:t>
+            </a:r>
+          </a:p>
+          <a:p>
+            <a:pPr lvl="0"/>
+            <a:r>
+              <a:rPr/>
+              <a:t>Geeks for Geeks</a:t>
+            </a:r>
+          </a:p>
+          <a:p>
+            <a:pPr lvl="1"/>
             <a:r>
               <a:rPr>
                 <a:hlinkClick r:id="rId4"/>
               </a:rPr>
-              <a:t>Circular array - GeeksforGeeks</a:t>
+              <a:t>XOR Linked List – A Memory Efficient Doubly Linked List | Set 2 - GeeksforGeeks</a:t>
             </a:r>
           </a:p>
         </p:txBody>
@@ -3472,6 +3579,31 @@
       </p:grpSpPr>
       <p:sp>
         <p:nvSpPr>
+          <p:cNvPr id="2" name="Title 1"/>
+          <p:cNvSpPr>
+            <a:spLocks noGrp="1"/>
+          </p:cNvSpPr>
+          <p:nvPr>
+            <p:ph type="title"/>
+          </p:nvPr>
+        </p:nvSpPr>
+        <p:spPr/>
+        <p:txBody>
+          <a:bodyPr/>
+          <a:lstStyle/>
+          <a:p>
+            <a:pPr lvl="0" indent="0" marL="0">
+              <a:buNone/>
+            </a:pPr>
+            <a:r>
+              <a:rPr/>
+              <a:t>Skip List</a:t>
+            </a:r>
+          </a:p>
+        </p:txBody>
+      </p:sp>
+      <p:sp>
+        <p:nvSpPr>
           <p:cNvPr id="3" name="Content Placeholder 2"/>
           <p:cNvSpPr>
             <a:spLocks noGrp="1"/>
@@ -3485,23 +3617,53 @@
           <a:bodyPr/>
           <a:lstStyle/>
           <a:p>
-            <a:pPr lvl="0" indent="0" marL="0">
-              <a:buNone/>
-            </a:pPr>
-            <a:r>
-              <a:rPr/>
-              <a:t>Array Rotations</a:t>
-            </a:r>
-          </a:p>
-          <a:p>
-            <a:pPr lvl="0" indent="-457200" marL="457200">
-              <a:buAutoNum type="arabicPeriod"/>
-            </a:pPr>
+            <a:pPr lvl="0"/>
+            <a:r>
+              <a:rPr/>
+              <a:t>Wikipedia</a:t>
+            </a:r>
+          </a:p>
+          <a:p>
+            <a:pPr lvl="1"/>
             <a:r>
               <a:rPr>
                 <a:hlinkClick r:id="rId2"/>
               </a:rPr>
-              <a:t>Program for array rotation - GeeksforGeeks</a:t>
+              <a:t>Skip list - Wikipedia</a:t>
+            </a:r>
+          </a:p>
+          <a:p>
+            <a:pPr lvl="0"/>
+            <a:r>
+              <a:rPr/>
+              <a:t>Geeks for Geeks</a:t>
+            </a:r>
+          </a:p>
+          <a:p>
+            <a:pPr lvl="1"/>
+            <a:r>
+              <a:rPr>
+                <a:hlinkClick r:id="rId3"/>
+              </a:rPr>
+              <a:t>Skip List | Set 1 (Introduction) - GeeksforGeeks</a:t>
+            </a:r>
+          </a:p>
+          <a:p>
+            <a:pPr lvl="1"/>
+            <a:r>
+              <a:rPr>
+                <a:hlinkClick r:id="rId4"/>
+              </a:rPr>
+              <a:t>Skip List | Set 2 (Insertion) - GeeksforGeeks</a:t>
+            </a:r>
+          </a:p>
+          <a:p>
+            <a:pPr lvl="1"/>
+            <a:r>
+              <a:rPr>
+                <a:hlinkClick r:id="rId5"/>
+              </a:rPr>
+              <a:t>Skip List | Set 3 (Searching and Deletion) - GeeksforGeeks</a:t>
             </a:r>
           </a:p>
         </p:txBody>
@@ -3530,6 +3692,31 @@
       </p:grpSpPr>
       <p:sp>
         <p:nvSpPr>
+          <p:cNvPr id="2" name="Title 1"/>
+          <p:cNvSpPr>
+            <a:spLocks noGrp="1"/>
+          </p:cNvSpPr>
+          <p:nvPr>
+            <p:ph type="title"/>
+          </p:nvPr>
+        </p:nvSpPr>
+        <p:spPr/>
+        <p:txBody>
+          <a:bodyPr/>
+          <a:lstStyle/>
+          <a:p>
+            <a:pPr lvl="0" indent="0" marL="0">
+              <a:buNone/>
+            </a:pPr>
+            <a:r>
+              <a:rPr/>
+              <a:t>Strand Sort</a:t>
+            </a:r>
+          </a:p>
+        </p:txBody>
+      </p:sp>
+      <p:sp>
+        <p:nvSpPr>
           <p:cNvPr id="3" name="Content Placeholder 2"/>
           <p:cNvSpPr>
             <a:spLocks noGrp="1"/>
@@ -3543,23 +3730,19 @@
           <a:bodyPr/>
           <a:lstStyle/>
           <a:p>
-            <a:pPr lvl="0" indent="0" marL="0">
-              <a:buNone/>
-            </a:pPr>
-            <a:r>
-              <a:rPr/>
-              <a:t>Arrangement Rearrangement</a:t>
-            </a:r>
-          </a:p>
-          <a:p>
-            <a:pPr lvl="0" indent="-457200" marL="457200">
-              <a:buAutoNum type="arabicPeriod"/>
-            </a:pPr>
+            <a:pPr lvl="0"/>
+            <a:r>
+              <a:rPr/>
+              <a:t>Geeks for Geeks</a:t>
+            </a:r>
+          </a:p>
+          <a:p>
+            <a:pPr lvl="1"/>
             <a:r>
               <a:rPr>
                 <a:hlinkClick r:id="rId2"/>
               </a:rPr>
-              <a:t>Array Rearrangement - GeeksforGeeks</a:t>
+              <a:t>Strand Sort - GeeksforGeeks</a:t>
             </a:r>
           </a:p>
         </p:txBody>
@@ -3588,6 +3771,31 @@
       </p:grpSpPr>
       <p:sp>
         <p:nvSpPr>
+          <p:cNvPr id="2" name="Title 1"/>
+          <p:cNvSpPr>
+            <a:spLocks noGrp="1"/>
+          </p:cNvSpPr>
+          <p:nvPr>
+            <p:ph type="title"/>
+          </p:nvPr>
+        </p:nvSpPr>
+        <p:spPr/>
+        <p:txBody>
+          <a:bodyPr/>
+          <a:lstStyle/>
+          <a:p>
+            <a:pPr lvl="0" indent="0" marL="0">
+              <a:buNone/>
+            </a:pPr>
+            <a:r>
+              <a:rPr/>
+              <a:t>Arrays</a:t>
+            </a:r>
+          </a:p>
+        </p:txBody>
+      </p:sp>
+      <p:sp>
+        <p:nvSpPr>
           <p:cNvPr id="3" name="Content Placeholder 2"/>
           <p:cNvSpPr>
             <a:spLocks noGrp="1"/>
@@ -3601,23 +3809,37 @@
           <a:bodyPr/>
           <a:lstStyle/>
           <a:p>
-            <a:pPr lvl="0" indent="0" marL="0">
-              <a:buNone/>
-            </a:pPr>
-            <a:r>
-              <a:rPr/>
-              <a:t>Searching and Sorting</a:t>
-            </a:r>
-          </a:p>
-          <a:p>
-            <a:pPr lvl="0" indent="-457200" marL="457200">
-              <a:buAutoNum type="arabicPeriod"/>
-            </a:pPr>
+            <a:pPr lvl="0"/>
+            <a:r>
+              <a:rPr/>
+              <a:t>Geeks for Geeks</a:t>
+            </a:r>
+          </a:p>
+          <a:p>
+            <a:pPr lvl="1"/>
             <a:r>
               <a:rPr>
                 <a:hlinkClick r:id="rId2"/>
               </a:rPr>
-              <a:t>Difference between Searching and Sorting Algorithms - GeeksforGeeks</a:t>
+              <a:t>Array Data Structure - GeeksforGeeks</a:t>
+            </a:r>
+          </a:p>
+          <a:p>
+            <a:pPr lvl="1"/>
+            <a:r>
+              <a:rPr>
+                <a:hlinkClick r:id="rId3"/>
+              </a:rPr>
+              <a:t>Data structures Tutorials - Arrays</a:t>
+            </a:r>
+          </a:p>
+          <a:p>
+            <a:pPr lvl="1"/>
+            <a:r>
+              <a:rPr>
+                <a:hlinkClick r:id="rId4"/>
+              </a:rPr>
+              <a:t>Circular array - GeeksforGeeks</a:t>
             </a:r>
           </a:p>
         </p:txBody>
@@ -3660,11 +3882,30 @@
           <a:lstStyle/>
           <a:p>
             <a:pPr lvl="0" indent="0" marL="0">
+              <a:spcBef>
+                <a:spcPts val="3000"/>
+              </a:spcBef>
               <a:buNone/>
             </a:pPr>
             <a:r>
-              <a:rPr/>
-              <a:t>Optimization Problems</a:t>
+              <a:rPr b="1"/>
+              <a:t>Array Rotations</a:t>
+            </a:r>
+          </a:p>
+          <a:p>
+            <a:pPr lvl="0"/>
+            <a:r>
+              <a:rPr/>
+              <a:t>Geeks for Geeks</a:t>
+            </a:r>
+          </a:p>
+          <a:p>
+            <a:pPr lvl="1"/>
+            <a:r>
+              <a:rPr>
+                <a:hlinkClick r:id="rId2"/>
+              </a:rPr>
+              <a:t>Program for array rotation - GeeksforGeeks</a:t>
             </a:r>
           </a:p>
         </p:txBody>
@@ -3707,22 +3948,30 @@
           <a:lstStyle/>
           <a:p>
             <a:pPr lvl="0" indent="0" marL="0">
+              <a:spcBef>
+                <a:spcPts val="3000"/>
+              </a:spcBef>
               <a:buNone/>
             </a:pPr>
             <a:r>
-              <a:rPr/>
-              <a:t>Matrix</a:t>
-            </a:r>
-          </a:p>
-          <a:p>
-            <a:pPr lvl="0" indent="-457200" marL="457200">
-              <a:buAutoNum type="arabicPeriod"/>
-            </a:pPr>
+              <a:rPr b="1"/>
+              <a:t>Arrangement Rearrangement</a:t>
+            </a:r>
+          </a:p>
+          <a:p>
+            <a:pPr lvl="0"/>
+            <a:r>
+              <a:rPr/>
+              <a:t>Geeks for Geeks</a:t>
+            </a:r>
+          </a:p>
+          <a:p>
+            <a:pPr lvl="1"/>
             <a:r>
               <a:rPr>
                 <a:hlinkClick r:id="rId2"/>
               </a:rPr>
-              <a:t>Matrix Archives - GeeksforGeeks</a:t>
+              <a:t>Array Rearrangement - GeeksforGeeks</a:t>
             </a:r>
           </a:p>
         </p:txBody>
@@ -3765,22 +4014,109 @@
           <a:lstStyle/>
           <a:p>
             <a:pPr lvl="0" indent="0" marL="0">
+              <a:spcBef>
+                <a:spcPts val="3000"/>
+              </a:spcBef>
               <a:buNone/>
             </a:pPr>
             <a:r>
-              <a:rPr/>
-              <a:t>Sparse Matrix</a:t>
-            </a:r>
-          </a:p>
-          <a:p>
-            <a:pPr lvl="0" indent="-457200" marL="457200">
-              <a:buAutoNum type="arabicPeriod"/>
-            </a:pPr>
+              <a:rPr b="1"/>
+              <a:t>Array Searching and Sorting</a:t>
+            </a:r>
+          </a:p>
+          <a:p>
+            <a:pPr lvl="0"/>
+            <a:r>
+              <a:rPr/>
+              <a:t>Geeks for Geeks</a:t>
+            </a:r>
+          </a:p>
+          <a:p>
+            <a:pPr lvl="1"/>
             <a:r>
               <a:rPr>
                 <a:hlinkClick r:id="rId2"/>
               </a:rPr>
-              <a:t>Data Structures Tutorials - Sparse Matrix with an example</a:t>
+              <a:t>Difference between Searching and Sorting Algorithms - GeeksforGeeks</a:t>
+            </a:r>
+          </a:p>
+        </p:txBody>
+      </p:sp>
+    </p:spTree>
+  </p:cSld>
+</p:sld>
+</file>
+
+<file path=ppt/slides/slide19.xml><?xml version="1.0" encoding="utf-8"?>
+<p:sld xmlns:a="http://schemas.openxmlformats.org/drawingml/2006/main" xmlns:r="http://schemas.openxmlformats.org/officeDocument/2006/relationships" xmlns:p="http://schemas.openxmlformats.org/presentationml/2006/main">
+  <p:cSld>
+    <p:spTree>
+      <p:nvGrpSpPr>
+        <p:cNvPr id="1" name=""/>
+        <p:cNvGrpSpPr/>
+        <p:nvPr/>
+      </p:nvGrpSpPr>
+      <p:grpSpPr>
+        <a:xfrm>
+          <a:off x="0" y="0"/>
+          <a:ext cx="0" cy="0"/>
+          <a:chOff x="0" y="0"/>
+          <a:chExt cx="0" cy="0"/>
+        </a:xfrm>
+      </p:grpSpPr>
+      <p:sp>
+        <p:nvSpPr>
+          <p:cNvPr id="2" name="Title 1"/>
+          <p:cNvSpPr>
+            <a:spLocks noGrp="1"/>
+          </p:cNvSpPr>
+          <p:nvPr>
+            <p:ph type="title"/>
+          </p:nvPr>
+        </p:nvSpPr>
+        <p:spPr/>
+        <p:txBody>
+          <a:bodyPr/>
+          <a:lstStyle/>
+          <a:p>
+            <a:pPr lvl="0" indent="0" marL="0">
+              <a:buNone/>
+            </a:pPr>
+            <a:r>
+              <a:rPr/>
+              <a:t>Matrix</a:t>
+            </a:r>
+          </a:p>
+        </p:txBody>
+      </p:sp>
+      <p:sp>
+        <p:nvSpPr>
+          <p:cNvPr id="3" name="Content Placeholder 2"/>
+          <p:cNvSpPr>
+            <a:spLocks noGrp="1"/>
+          </p:cNvSpPr>
+          <p:nvPr>
+            <p:ph idx="1"/>
+          </p:nvPr>
+        </p:nvSpPr>
+        <p:spPr/>
+        <p:txBody>
+          <a:bodyPr/>
+          <a:lstStyle/>
+          <a:p>
+            <a:pPr lvl="0"/>
+            <a:r>
+              <a:rPr/>
+              <a:t>Geeks for Geeks</a:t>
+            </a:r>
+          </a:p>
+          <a:p>
+            <a:pPr lvl="1"/>
+            <a:r>
+              <a:rPr>
+                <a:hlinkClick r:id="rId2"/>
+              </a:rPr>
+              <a:t>Matrix Archives - GeeksforGeeks</a:t>
             </a:r>
           </a:p>
         </p:txBody>
@@ -3842,6 +4178,176 @@
 </p:sld>
 </file>
 
+<file path=ppt/slides/slide20.xml><?xml version="1.0" encoding="utf-8"?>
+<p:sld xmlns:a="http://schemas.openxmlformats.org/drawingml/2006/main" xmlns:r="http://schemas.openxmlformats.org/officeDocument/2006/relationships" xmlns:p="http://schemas.openxmlformats.org/presentationml/2006/main">
+  <p:cSld>
+    <p:spTree>
+      <p:nvGrpSpPr>
+        <p:cNvPr id="1" name=""/>
+        <p:cNvGrpSpPr/>
+        <p:nvPr/>
+      </p:nvGrpSpPr>
+      <p:grpSpPr>
+        <a:xfrm>
+          <a:off x="0" y="0"/>
+          <a:ext cx="0" cy="0"/>
+          <a:chOff x="0" y="0"/>
+          <a:chExt cx="0" cy="0"/>
+        </a:xfrm>
+      </p:grpSpPr>
+      <p:sp>
+        <p:nvSpPr>
+          <p:cNvPr id="3" name="Content Placeholder 2"/>
+          <p:cNvSpPr>
+            <a:spLocks noGrp="1"/>
+          </p:cNvSpPr>
+          <p:nvPr>
+            <p:ph idx="1"/>
+          </p:nvPr>
+        </p:nvSpPr>
+        <p:spPr/>
+        <p:txBody>
+          <a:bodyPr/>
+          <a:lstStyle/>
+          <a:p>
+            <a:pPr lvl="0" indent="0" marL="0">
+              <a:spcBef>
+                <a:spcPts val="3000"/>
+              </a:spcBef>
+              <a:buNone/>
+            </a:pPr>
+            <a:r>
+              <a:rPr b="1"/>
+              <a:t>Sparse Matrix</a:t>
+            </a:r>
+          </a:p>
+          <a:p>
+            <a:pPr lvl="0"/>
+            <a:r>
+              <a:rPr/>
+              <a:t>Geeks for Geeks</a:t>
+            </a:r>
+          </a:p>
+          <a:p>
+            <a:pPr lvl="1"/>
+            <a:r>
+              <a:rPr>
+                <a:hlinkClick r:id="rId2"/>
+              </a:rPr>
+              <a:t>Data Structures Tutorials - Sparse Matrix with an example</a:t>
+            </a:r>
+          </a:p>
+        </p:txBody>
+      </p:sp>
+    </p:spTree>
+  </p:cSld>
+</p:sld>
+</file>
+
+<file path=ppt/slides/slide21.xml><?xml version="1.0" encoding="utf-8"?>
+<p:sld xmlns:a="http://schemas.openxmlformats.org/drawingml/2006/main" xmlns:r="http://schemas.openxmlformats.org/officeDocument/2006/relationships" xmlns:p="http://schemas.openxmlformats.org/presentationml/2006/main">
+  <p:cSld>
+    <p:spTree>
+      <p:nvGrpSpPr>
+        <p:cNvPr id="1" name=""/>
+        <p:cNvGrpSpPr/>
+        <p:nvPr/>
+      </p:nvGrpSpPr>
+      <p:grpSpPr>
+        <a:xfrm>
+          <a:off x="0" y="0"/>
+          <a:ext cx="0" cy="0"/>
+          <a:chOff x="0" y="0"/>
+          <a:chExt cx="0" cy="0"/>
+        </a:xfrm>
+      </p:grpSpPr>
+      <mc:AlternateContent xmlns:mc="http://schemas.openxmlformats.org/markup-compatibility/2006">
+        <mc:Choice xmlns:a14="http://schemas.microsoft.com/office/drawing/2010/main" Requires="a14">
+          <p:sp>
+            <p:nvSpPr>
+              <p:cNvPr id="3" name="Content Placeholder 2"/>
+              <p:cNvSpPr>
+                <a:spLocks noGrp="1"/>
+              </p:cNvSpPr>
+              <p:nvPr>
+                <p:ph idx="1"/>
+              </p:nvPr>
+            </p:nvSpPr>
+            <p:spPr/>
+            <p:txBody>
+              <a:bodyPr/>
+              <a:lstStyle/>
+              <a:p>
+                <a:pPr lvl="0" indent="0" marL="0">
+                  <a:buNone/>
+                </a:pPr>
+                <a14:m>
+                  <m:oMathPara xmlns:m="http://schemas.openxmlformats.org/officeDocument/2006/math">
+                    <m:oMathParaPr>
+                      <m:jc m:val="center"/>
+                    </m:oMathParaPr>
+                    <m:oMath>
+                      <m:r>
+                        <m:t>E</m:t>
+                      </m:r>
+                      <m:r>
+                        <m:t>n</m:t>
+                      </m:r>
+                      <m:r>
+                        <m:t>d</m:t>
+                      </m:r>
+                      <m:r>
+                        <m:rPr>
+                          <m:sty m:val="p"/>
+                        </m:rPr>
+                        <m:t>−</m:t>
+                      </m:r>
+                      <m:r>
+                        <m:t>O</m:t>
+                      </m:r>
+                      <m:r>
+                        <m:t>f</m:t>
+                      </m:r>
+                      <m:r>
+                        <m:rPr>
+                          <m:sty m:val="p"/>
+                        </m:rPr>
+                        <m:t>−</m:t>
+                      </m:r>
+                      <m:r>
+                        <m:t>W</m:t>
+                      </m:r>
+                      <m:r>
+                        <m:t>e</m:t>
+                      </m:r>
+                      <m:r>
+                        <m:t>e</m:t>
+                      </m:r>
+                      <m:r>
+                        <m:t>k</m:t>
+                      </m:r>
+                      <m:r>
+                        <m:rPr>
+                          <m:sty m:val="p"/>
+                        </m:rPr>
+                        <m:t>−</m:t>
+                      </m:r>
+                      <m:r>
+                        <m:t>2</m:t>
+                      </m:r>
+                    </m:oMath>
+                  </m:oMathPara>
+                </a14:m>
+              </a:p>
+            </p:txBody>
+          </p:sp>
+        </mc:Choice>
+      </mc:AlternateContent>
+    </p:spTree>
+  </p:cSld>
+</p:sld>
+</file>
+
 <file path=ppt/slides/slide3.xml><?xml version="1.0" encoding="utf-8"?>
 <p:sld xmlns:a="http://schemas.openxmlformats.org/drawingml/2006/main" xmlns:r="http://schemas.openxmlformats.org/officeDocument/2006/relationships" xmlns:p="http://schemas.openxmlformats.org/presentationml/2006/main">
   <p:cSld>
@@ -3913,6 +4419,31 @@
       </p:grpSpPr>
       <p:sp>
         <p:nvSpPr>
+          <p:cNvPr id="2" name="Title 1"/>
+          <p:cNvSpPr>
+            <a:spLocks noGrp="1"/>
+          </p:cNvSpPr>
+          <p:nvPr>
+            <p:ph type="title"/>
+          </p:nvPr>
+        </p:nvSpPr>
+        <p:spPr/>
+        <p:txBody>
+          <a:bodyPr/>
+          <a:lstStyle/>
+          <a:p>
+            <a:pPr lvl="0" indent="0" marL="0">
+              <a:buNone/>
+            </a:pPr>
+            <a:r>
+              <a:rPr/>
+              <a:t>Linked Lists and Related Algorithms Arrays and Matrices</a:t>
+            </a:r>
+          </a:p>
+        </p:txBody>
+      </p:sp>
+      <p:sp>
+        <p:nvSpPr>
           <p:cNvPr id="3" name="Content Placeholder 2"/>
           <p:cNvSpPr>
             <a:spLocks noGrp="1"/>
@@ -3925,18 +4456,6 @@
         <p:txBody>
           <a:bodyPr/>
           <a:lstStyle/>
-          <a:p>
-            <a:pPr lvl="0" indent="0" marL="0">
-              <a:spcBef>
-                <a:spcPts val="3000"/>
-              </a:spcBef>
-              <a:buNone/>
-            </a:pPr>
-            <a:r>
-              <a:rPr b="1"/>
-              <a:t>Linked Lists and Related Algorithms Arrays and Matrices</a:t>
-            </a:r>
-          </a:p>
           <a:p>
             <a:pPr lvl="0" indent="0" marL="0">
               <a:buNone/>
@@ -4016,78 +4535,79 @@
             </a:pPr>
             <a:r>
               <a:rPr/>
+              <a:t>Outline-1</a:t>
+            </a:r>
+          </a:p>
+        </p:txBody>
+      </p:sp>
+      <p:sp>
+        <p:nvSpPr>
+          <p:cNvPr id="3" name="Content Placeholder 2"/>
+          <p:cNvSpPr>
+            <a:spLocks noGrp="1"/>
+          </p:cNvSpPr>
+          <p:nvPr>
+            <p:ph idx="1"/>
+          </p:nvPr>
+        </p:nvSpPr>
+        <p:spPr/>
+        <p:txBody>
+          <a:bodyPr/>
+          <a:lstStyle/>
+          <a:p>
+            <a:pPr lvl="0"/>
+            <a:r>
+              <a:rPr/>
               <a:t>Resources</a:t>
             </a:r>
           </a:p>
-        </p:txBody>
-      </p:sp>
-      <p:sp>
-        <p:nvSpPr>
-          <p:cNvPr id="3" name="Content Placeholder 2"/>
-          <p:cNvSpPr>
-            <a:spLocks noGrp="1"/>
-          </p:cNvSpPr>
-          <p:nvPr>
-            <p:ph idx="1"/>
-          </p:nvPr>
-        </p:nvSpPr>
-        <p:spPr/>
-        <p:txBody>
-          <a:bodyPr/>
-          <a:lstStyle/>
-          <a:p>
-            <a:pPr lvl="0" indent="0" marL="0">
-              <a:buNone/>
-            </a:pPr>
-            <a:r>
-              <a:rPr>
-                <a:hlinkClick r:id="rId2"/>
-              </a:rPr>
-              <a:t>WilliamFiset - YouTube</a:t>
-            </a:r>
-          </a:p>
-          <a:p>
-            <a:pPr lvl="0" indent="0" marL="0">
-              <a:buNone/>
-            </a:pPr>
-            <a:r>
-              <a:rPr>
-                <a:hlinkClick r:id="rId3"/>
-              </a:rPr>
-              <a:t>GitHub - williamfiset/Algorithms: A collection of algorithms and data structures</a:t>
-            </a:r>
-          </a:p>
-          <a:p>
-            <a:pPr lvl="0" indent="0" marL="0">
-              <a:buNone/>
-            </a:pPr>
-            <a:r>
-              <a:rPr>
-                <a:hlinkClick r:id="rId4"/>
-              </a:rPr>
-              <a:t>Data Structures Tutorials - Introduction to Algorithms</a:t>
-            </a:r>
-          </a:p>
-          <a:p>
-            <a:pPr lvl="0" indent="0" marL="0">
-              <a:buNone/>
-            </a:pPr>
-            <a:r>
-              <a:rPr>
-                <a:hlinkClick r:id="rId5"/>
-              </a:rPr>
-              <a:t>Data Structure and Types</a:t>
-            </a:r>
-          </a:p>
-          <a:p>
-            <a:pPr lvl="0" indent="0" marL="0">
-              <a:buNone/>
-            </a:pPr>
-            <a:r>
-              <a:rPr>
-                <a:hlinkClick r:id="rId6"/>
-              </a:rPr>
-              <a:t>Array Data Structure - GeeksforGeeks</a:t>
+          <a:p>
+            <a:pPr lvl="0"/>
+            <a:r>
+              <a:rPr/>
+              <a:t>ASN.1 C Workshop</a:t>
+            </a:r>
+          </a:p>
+          <a:p>
+            <a:pPr lvl="0"/>
+            <a:r>
+              <a:rPr/>
+              <a:t>Single Linked List</a:t>
+            </a:r>
+          </a:p>
+          <a:p>
+            <a:pPr lvl="0"/>
+            <a:r>
+              <a:rPr/>
+              <a:t>Circular Linked List</a:t>
+            </a:r>
+          </a:p>
+          <a:p>
+            <a:pPr lvl="0"/>
+            <a:r>
+              <a:rPr/>
+              <a:t>Double Linked List</a:t>
+            </a:r>
+          </a:p>
+          <a:p>
+            <a:pPr lvl="0"/>
+            <a:r>
+              <a:rPr/>
+              <a:t>XOR Linked List</a:t>
+            </a:r>
+          </a:p>
+          <a:p>
+            <a:pPr lvl="0"/>
+            <a:r>
+              <a:rPr/>
+              <a:t>Skip List</a:t>
+            </a:r>
+          </a:p>
+          <a:p>
+            <a:pPr lvl="0"/>
+            <a:r>
+              <a:rPr/>
+              <a:t>Strand Sort</a:t>
             </a:r>
           </a:p>
         </p:txBody>
@@ -4116,6 +4636,31 @@
       </p:grpSpPr>
       <p:sp>
         <p:nvSpPr>
+          <p:cNvPr id="2" name="Title 1"/>
+          <p:cNvSpPr>
+            <a:spLocks noGrp="1"/>
+          </p:cNvSpPr>
+          <p:nvPr>
+            <p:ph type="title"/>
+          </p:nvPr>
+        </p:nvSpPr>
+        <p:spPr/>
+        <p:txBody>
+          <a:bodyPr/>
+          <a:lstStyle/>
+          <a:p>
+            <a:pPr lvl="0" indent="0" marL="0">
+              <a:buNone/>
+            </a:pPr>
+            <a:r>
+              <a:rPr/>
+              <a:t>Outline-2</a:t>
+            </a:r>
+          </a:p>
+        </p:txBody>
+      </p:sp>
+      <p:sp>
+        <p:nvSpPr>
           <p:cNvPr id="3" name="Content Placeholder 2"/>
           <p:cNvSpPr>
             <a:spLocks noGrp="1"/>
@@ -4129,32 +4674,45 @@
           <a:bodyPr/>
           <a:lstStyle/>
           <a:p>
-            <a:pPr lvl="0" indent="0" marL="0">
-              <a:buNone/>
-            </a:pPr>
-            <a:r>
-              <a:rPr/>
-              <a:t>Single Linked List</a:t>
-            </a:r>
-          </a:p>
-          <a:p>
-            <a:pPr lvl="0" indent="-457200" marL="457200">
-              <a:buAutoNum type="arabicPeriod"/>
-            </a:pPr>
-            <a:r>
-              <a:rPr>
-                <a:hlinkClick r:id="rId2"/>
-              </a:rPr>
-              <a:t>Data Structures Tutorials - Single Linked List with an example</a:t>
-            </a:r>
-          </a:p>
-          <a:p>
-            <a:pPr lvl="0" indent="-457200" marL="457200">
-              <a:buAutoNum type="arabicPeriod"/>
-            </a:pPr>
-            <a:r>
-              <a:rPr/>
-              <a:t>https://visualgo.net/en/list</a:t>
+            <a:pPr lvl="0"/>
+            <a:r>
+              <a:rPr/>
+              <a:t>Arrays</a:t>
+            </a:r>
+          </a:p>
+          <a:p>
+            <a:pPr lvl="1"/>
+            <a:r>
+              <a:rPr/>
+              <a:t>Array Rotations</a:t>
+            </a:r>
+          </a:p>
+          <a:p>
+            <a:pPr lvl="1"/>
+            <a:r>
+              <a:rPr/>
+              <a:t>Arrangement Rearrangement</a:t>
+            </a:r>
+          </a:p>
+          <a:p>
+            <a:pPr lvl="1"/>
+            <a:r>
+              <a:rPr/>
+              <a:t>Array Searching and Sorting</a:t>
+            </a:r>
+          </a:p>
+          <a:p>
+            <a:pPr lvl="0"/>
+            <a:r>
+              <a:rPr/>
+              <a:t>Matrix</a:t>
+            </a:r>
+          </a:p>
+          <a:p>
+            <a:pPr lvl="0"/>
+            <a:r>
+              <a:rPr/>
+              <a:t>Sparse Matrix</a:t>
             </a:r>
           </a:p>
         </p:txBody>
@@ -4183,6 +4741,31 @@
       </p:grpSpPr>
       <p:sp>
         <p:nvSpPr>
+          <p:cNvPr id="2" name="Title 1"/>
+          <p:cNvSpPr>
+            <a:spLocks noGrp="1"/>
+          </p:cNvSpPr>
+          <p:nvPr>
+            <p:ph type="title"/>
+          </p:nvPr>
+        </p:nvSpPr>
+        <p:spPr/>
+        <p:txBody>
+          <a:bodyPr/>
+          <a:lstStyle/>
+          <a:p>
+            <a:pPr lvl="0" indent="0" marL="0">
+              <a:buNone/>
+            </a:pPr>
+            <a:r>
+              <a:rPr/>
+              <a:t>Resources</a:t>
+            </a:r>
+          </a:p>
+        </p:txBody>
+      </p:sp>
+      <p:sp>
+        <p:nvSpPr>
           <p:cNvPr id="3" name="Content Placeholder 2"/>
           <p:cNvSpPr>
             <a:spLocks noGrp="1"/>
@@ -4196,45 +4779,90 @@
           <a:bodyPr/>
           <a:lstStyle/>
           <a:p>
-            <a:pPr lvl="0" indent="0" marL="0">
-              <a:buNone/>
-            </a:pPr>
-            <a:r>
-              <a:rPr/>
-              <a:t>Circular Linked List</a:t>
-            </a:r>
-          </a:p>
-          <a:p>
-            <a:pPr lvl="0" indent="-457200" marL="457200">
-              <a:buAutoNum type="arabicPeriod"/>
-            </a:pPr>
+            <a:pPr lvl="0"/>
+            <a:r>
+              <a:rPr/>
+              <a:t>WilliamFiset</a:t>
+            </a:r>
+          </a:p>
+          <a:p>
+            <a:pPr lvl="1"/>
             <a:r>
               <a:rPr>
                 <a:hlinkClick r:id="rId2"/>
               </a:rPr>
-              <a:t>Data Structures Tutorials - Circular Linked List with an example | Implementation</a:t>
-            </a:r>
-          </a:p>
-          <a:p>
-            <a:pPr lvl="0" indent="-457200" marL="457200">
-              <a:buAutoNum type="arabicPeriod"/>
-            </a:pPr>
+              <a:t>WilliamFiset - YouTube</a:t>
+            </a:r>
+          </a:p>
+          <a:p>
+            <a:pPr lvl="1"/>
             <a:r>
               <a:rPr>
                 <a:hlinkClick r:id="rId3"/>
               </a:rPr>
-              <a:t>Circular Linked List | Set 1 (Introduction and Applications) - GeeksforGeeks</a:t>
-            </a:r>
-          </a:p>
-          <a:p>
-            <a:pPr lvl="0" indent="-457200" marL="457200">
-              <a:buAutoNum type="arabicPeriod"/>
-            </a:pPr>
+              <a:t>GitHub - williamfiset/Algorithms: A collection of algorithms and data structures</a:t>
+            </a:r>
+          </a:p>
+          <a:p>
+            <a:pPr lvl="0"/>
+            <a:r>
+              <a:rPr/>
+              <a:t>Btech Smart Class</a:t>
+            </a:r>
+          </a:p>
+          <a:p>
+            <a:pPr lvl="1"/>
             <a:r>
               <a:rPr>
                 <a:hlinkClick r:id="rId4"/>
               </a:rPr>
-              <a:t>Circular Linked List | Set 2 (Traversal) - GeeksforGeeks</a:t>
+              <a:t>Data Structures Tutorials - Introduction to Algorithms</a:t>
+            </a:r>
+          </a:p>
+          <a:p>
+            <a:pPr lvl="0"/>
+            <a:r>
+              <a:rPr/>
+              <a:t>Programiz</a:t>
+            </a:r>
+          </a:p>
+          <a:p>
+            <a:pPr lvl="1"/>
+            <a:r>
+              <a:rPr>
+                <a:hlinkClick r:id="rId5"/>
+              </a:rPr>
+              <a:t>Data Structure and Types</a:t>
+            </a:r>
+          </a:p>
+          <a:p>
+            <a:pPr lvl="0"/>
+            <a:r>
+              <a:rPr/>
+              <a:t>GeeksforGeeks</a:t>
+            </a:r>
+          </a:p>
+          <a:p>
+            <a:pPr lvl="1"/>
+            <a:r>
+              <a:rPr>
+                <a:hlinkClick r:id="rId6"/>
+              </a:rPr>
+              <a:t>Array Data Structure - GeeksforGeeks</a:t>
+            </a:r>
+          </a:p>
+          <a:p>
+            <a:pPr lvl="0"/>
+            <a:r>
+              <a:rPr/>
+              <a:t>Visual Algo</a:t>
+            </a:r>
+          </a:p>
+          <a:p>
+            <a:pPr lvl="1"/>
+            <a:r>
+              <a:rPr/>
+              <a:t>https://visualgo.net/en</a:t>
             </a:r>
           </a:p>
         </p:txBody>
@@ -4263,6 +4891,31 @@
       </p:grpSpPr>
       <p:sp>
         <p:nvSpPr>
+          <p:cNvPr id="2" name="Title 1"/>
+          <p:cNvSpPr>
+            <a:spLocks noGrp="1"/>
+          </p:cNvSpPr>
+          <p:nvPr>
+            <p:ph type="title"/>
+          </p:nvPr>
+        </p:nvSpPr>
+        <p:spPr/>
+        <p:txBody>
+          <a:bodyPr/>
+          <a:lstStyle/>
+          <a:p>
+            <a:pPr lvl="0" indent="0" marL="0">
+              <a:buNone/>
+            </a:pPr>
+            <a:r>
+              <a:rPr/>
+              <a:t>Workshop</a:t>
+            </a:r>
+          </a:p>
+        </p:txBody>
+      </p:sp>
+      <p:sp>
+        <p:nvSpPr>
           <p:cNvPr id="3" name="Content Placeholder 2"/>
           <p:cNvSpPr>
             <a:spLocks noGrp="1"/>
@@ -4276,45 +4929,10 @@
           <a:bodyPr/>
           <a:lstStyle/>
           <a:p>
-            <a:pPr lvl="0" indent="0" marL="0">
-              <a:buNone/>
-            </a:pPr>
-            <a:r>
-              <a:rPr/>
-              <a:t>Double Linked List</a:t>
-            </a:r>
-          </a:p>
-          <a:p>
-            <a:pPr lvl="0" indent="-457200" marL="457200">
-              <a:buAutoNum type="arabicPeriod"/>
-            </a:pPr>
-            <a:r>
-              <a:rPr>
-                <a:hlinkClick r:id="rId2"/>
-              </a:rPr>
-              <a:t>Data Structures Tutorials - Double Linked List with an example program</a:t>
-            </a:r>
-          </a:p>
-          <a:p>
-            <a:pPr lvl="0" indent="-457200" marL="457200">
-              <a:buAutoNum type="arabicPeriod"/>
-            </a:pPr>
-            <a:r>
-              <a:rPr>
-                <a:hlinkClick r:id="rId3"/>
-              </a:rPr>
-              <a:t>Doubly Linked List | Set 1 (Introduction and Insertion) - GeeksforGeeks</a:t>
-            </a:r>
-          </a:p>
-          <a:p>
-            <a:pPr lvl="0" indent="-457200" marL="457200">
-              <a:buAutoNum type="arabicPeriod"/>
-            </a:pPr>
-            <a:r>
-              <a:rPr>
-                <a:hlinkClick r:id="rId4"/>
-              </a:rPr>
-              <a:t>Linked List (Single, Doubly), Stack, Queue, Deque - VisuAlgo</a:t>
+            <a:pPr lvl="0"/>
+            <a:r>
+              <a:rPr/>
+              <a:t>https://github.com/ucoruh/asn1c-wsl-sample</a:t>
             </a:r>
           </a:p>
         </p:txBody>
@@ -4343,6 +4961,31 @@
       </p:grpSpPr>
       <p:sp>
         <p:nvSpPr>
+          <p:cNvPr id="2" name="Title 1"/>
+          <p:cNvSpPr>
+            <a:spLocks noGrp="1"/>
+          </p:cNvSpPr>
+          <p:nvPr>
+            <p:ph type="title"/>
+          </p:nvPr>
+        </p:nvSpPr>
+        <p:spPr/>
+        <p:txBody>
+          <a:bodyPr/>
+          <a:lstStyle/>
+          <a:p>
+            <a:pPr lvl="0" indent="0" marL="0">
+              <a:buNone/>
+            </a:pPr>
+            <a:r>
+              <a:rPr/>
+              <a:t>Single Linked List</a:t>
+            </a:r>
+          </a:p>
+        </p:txBody>
+      </p:sp>
+      <p:sp>
+        <p:nvSpPr>
           <p:cNvPr id="3" name="Content Placeholder 2"/>
           <p:cNvSpPr>
             <a:spLocks noGrp="1"/>
@@ -4356,45 +4999,33 @@
           <a:bodyPr/>
           <a:lstStyle/>
           <a:p>
-            <a:pPr lvl="0" indent="0" marL="0">
-              <a:buNone/>
-            </a:pPr>
-            <a:r>
-              <a:rPr/>
-              <a:t>XOR Linked List</a:t>
-            </a:r>
-          </a:p>
-          <a:p>
-            <a:pPr lvl="0" indent="-457200" marL="457200">
-              <a:buAutoNum type="arabicPeriod"/>
-            </a:pPr>
+            <a:pPr lvl="0"/>
+            <a:r>
+              <a:rPr/>
+              <a:t>Btech Smart Class</a:t>
+            </a:r>
+          </a:p>
+          <a:p>
+            <a:pPr lvl="1"/>
             <a:r>
               <a:rPr>
                 <a:hlinkClick r:id="rId2"/>
               </a:rPr>
-              <a:t>XOR linked list - Wikipedia</a:t>
-            </a:r>
-          </a:p>
-          <a:p>
-            <a:pPr lvl="0" indent="-457200" marL="457200">
-              <a:buAutoNum type="arabicPeriod"/>
-            </a:pPr>
-            <a:r>
-              <a:rPr>
-                <a:hlinkClick r:id="rId3"/>
-              </a:rPr>
-              <a:t>XOR Linked List - A Memory Efficient Doubly Linked List | Set 1 - GeeksforGeeks</a:t>
-            </a:r>
-          </a:p>
-          <a:p>
-            <a:pPr lvl="0" indent="-457200" marL="457200">
-              <a:buAutoNum type="arabicPeriod"/>
-            </a:pPr>
-            <a:r>
-              <a:rPr>
-                <a:hlinkClick r:id="rId4"/>
-              </a:rPr>
-              <a:t>XOR Linked List – A Memory Efficient Doubly Linked List | Set 2 - GeeksforGeeks</a:t>
+              <a:t>Data Structures Tutorials - Single Linked List with an example</a:t>
+            </a:r>
+          </a:p>
+          <a:p>
+            <a:pPr lvl="0"/>
+            <a:r>
+              <a:rPr/>
+              <a:t>Visual Algo</a:t>
+            </a:r>
+          </a:p>
+          <a:p>
+            <a:pPr lvl="1"/>
+            <a:r>
+              <a:rPr/>
+              <a:t>https://visualgo.net/en/list</a:t>
             </a:r>
           </a:p>
         </p:txBody>
